--- a/doc/pics/Frame_Struktur.pptx
+++ b/doc/pics/Frame_Struktur.pptx
@@ -243,7 +243,7 @@
           <a:p>
             <a:fld id="{5D092334-6658-4F6F-A02B-41F6E2A3F65A}" type="datetimeFigureOut">
               <a:rPr lang="de-AT" smtClean="0"/>
-              <a:t>23.07.2021</a:t>
+              <a:t>25.07.2021</a:t>
             </a:fld>
             <a:endParaRPr lang="de-AT"/>
           </a:p>
@@ -413,7 +413,7 @@
           <a:p>
             <a:fld id="{5D092334-6658-4F6F-A02B-41F6E2A3F65A}" type="datetimeFigureOut">
               <a:rPr lang="de-AT" smtClean="0"/>
-              <a:t>23.07.2021</a:t>
+              <a:t>25.07.2021</a:t>
             </a:fld>
             <a:endParaRPr lang="de-AT"/>
           </a:p>
@@ -593,7 +593,7 @@
           <a:p>
             <a:fld id="{5D092334-6658-4F6F-A02B-41F6E2A3F65A}" type="datetimeFigureOut">
               <a:rPr lang="de-AT" smtClean="0"/>
-              <a:t>23.07.2021</a:t>
+              <a:t>25.07.2021</a:t>
             </a:fld>
             <a:endParaRPr lang="de-AT"/>
           </a:p>
@@ -763,7 +763,7 @@
           <a:p>
             <a:fld id="{5D092334-6658-4F6F-A02B-41F6E2A3F65A}" type="datetimeFigureOut">
               <a:rPr lang="de-AT" smtClean="0"/>
-              <a:t>23.07.2021</a:t>
+              <a:t>25.07.2021</a:t>
             </a:fld>
             <a:endParaRPr lang="de-AT"/>
           </a:p>
@@ -1009,7 +1009,7 @@
           <a:p>
             <a:fld id="{5D092334-6658-4F6F-A02B-41F6E2A3F65A}" type="datetimeFigureOut">
               <a:rPr lang="de-AT" smtClean="0"/>
-              <a:t>23.07.2021</a:t>
+              <a:t>25.07.2021</a:t>
             </a:fld>
             <a:endParaRPr lang="de-AT"/>
           </a:p>
@@ -1241,7 +1241,7 @@
           <a:p>
             <a:fld id="{5D092334-6658-4F6F-A02B-41F6E2A3F65A}" type="datetimeFigureOut">
               <a:rPr lang="de-AT" smtClean="0"/>
-              <a:t>23.07.2021</a:t>
+              <a:t>25.07.2021</a:t>
             </a:fld>
             <a:endParaRPr lang="de-AT"/>
           </a:p>
@@ -1608,7 +1608,7 @@
           <a:p>
             <a:fld id="{5D092334-6658-4F6F-A02B-41F6E2A3F65A}" type="datetimeFigureOut">
               <a:rPr lang="de-AT" smtClean="0"/>
-              <a:t>23.07.2021</a:t>
+              <a:t>25.07.2021</a:t>
             </a:fld>
             <a:endParaRPr lang="de-AT"/>
           </a:p>
@@ -1726,7 +1726,7 @@
           <a:p>
             <a:fld id="{5D092334-6658-4F6F-A02B-41F6E2A3F65A}" type="datetimeFigureOut">
               <a:rPr lang="de-AT" smtClean="0"/>
-              <a:t>23.07.2021</a:t>
+              <a:t>25.07.2021</a:t>
             </a:fld>
             <a:endParaRPr lang="de-AT"/>
           </a:p>
@@ -1821,7 +1821,7 @@
           <a:p>
             <a:fld id="{5D092334-6658-4F6F-A02B-41F6E2A3F65A}" type="datetimeFigureOut">
               <a:rPr lang="de-AT" smtClean="0"/>
-              <a:t>23.07.2021</a:t>
+              <a:t>25.07.2021</a:t>
             </a:fld>
             <a:endParaRPr lang="de-AT"/>
           </a:p>
@@ -2098,7 +2098,7 @@
           <a:p>
             <a:fld id="{5D092334-6658-4F6F-A02B-41F6E2A3F65A}" type="datetimeFigureOut">
               <a:rPr lang="de-AT" smtClean="0"/>
-              <a:t>23.07.2021</a:t>
+              <a:t>25.07.2021</a:t>
             </a:fld>
             <a:endParaRPr lang="de-AT"/>
           </a:p>
@@ -2351,7 +2351,7 @@
           <a:p>
             <a:fld id="{5D092334-6658-4F6F-A02B-41F6E2A3F65A}" type="datetimeFigureOut">
               <a:rPr lang="de-AT" smtClean="0"/>
-              <a:t>23.07.2021</a:t>
+              <a:t>25.07.2021</a:t>
             </a:fld>
             <a:endParaRPr lang="de-AT"/>
           </a:p>
@@ -2564,7 +2564,7 @@
           <a:p>
             <a:fld id="{5D092334-6658-4F6F-A02B-41F6E2A3F65A}" type="datetimeFigureOut">
               <a:rPr lang="de-AT" smtClean="0"/>
-              <a:t>23.07.2021</a:t>
+              <a:t>25.07.2021</a:t>
             </a:fld>
             <a:endParaRPr lang="de-AT"/>
           </a:p>
@@ -2977,7 +2977,7 @@
         </p:nvSpPr>
         <p:spPr>
           <a:xfrm>
-            <a:off x="4243746" y="4626274"/>
+            <a:off x="4243746" y="3764500"/>
             <a:ext cx="3645877" cy="523220"/>
           </a:xfrm>
           <a:prstGeom prst="rect">
@@ -3054,7 +3054,7 @@
         <p:spPr>
           <a:xfrm>
             <a:off x="4243746" y="2594949"/>
-            <a:ext cx="3645877" cy="2031325"/>
+            <a:ext cx="3645877" cy="1169551"/>
           </a:xfrm>
           <a:prstGeom prst="rect">
             <a:avLst/>
@@ -3074,6 +3074,10 @@
           </a:p>
           <a:p>
             <a:pPr algn="ctr"/>
+            <a:endParaRPr lang="de-AT" sz="1400" dirty="0" smtClean="0"/>
+          </a:p>
+          <a:p>
+            <a:pPr algn="ctr"/>
             <a:r>
               <a:rPr lang="de-AT" sz="1400" dirty="0" smtClean="0"/>
               <a:t>DLMS/COSEM </a:t>
@@ -3084,28 +3088,12 @@
             </a:r>
             <a:r>
               <a:rPr lang="de-AT" sz="1400" dirty="0" smtClean="0"/>
-              <a:t> Layer</a:t>
-            </a:r>
-          </a:p>
-          <a:p>
-            <a:pPr algn="ctr"/>
-            <a:endParaRPr lang="de-AT" sz="1400" dirty="0"/>
-          </a:p>
-          <a:p>
-            <a:pPr algn="ctr"/>
-            <a:endParaRPr lang="de-AT" sz="1400" dirty="0" smtClean="0"/>
-          </a:p>
-          <a:p>
-            <a:pPr algn="ctr"/>
-            <a:endParaRPr lang="de-AT" sz="1400" dirty="0"/>
-          </a:p>
-          <a:p>
-            <a:pPr algn="ctr"/>
-            <a:endParaRPr lang="de-AT" sz="1400" dirty="0" smtClean="0"/>
-          </a:p>
-          <a:p>
-            <a:pPr algn="ctr"/>
-            <a:endParaRPr lang="de-AT" sz="1400" dirty="0"/>
+              <a:t> </a:t>
+            </a:r>
+            <a:r>
+              <a:rPr lang="de-AT" sz="1400" dirty="0" smtClean="0"/>
+              <a:t>Layer</a:t>
+            </a:r>
           </a:p>
           <a:p>
             <a:pPr algn="ctr"/>
@@ -3423,7 +3411,7 @@
         </p:nvSpPr>
         <p:spPr>
           <a:xfrm>
-            <a:off x="7889621" y="4626275"/>
+            <a:off x="7889621" y="3764501"/>
             <a:ext cx="1652962" cy="523219"/>
           </a:xfrm>
           <a:prstGeom prst="rect">
@@ -3469,7 +3457,7 @@
         </p:nvSpPr>
         <p:spPr>
           <a:xfrm>
-            <a:off x="7889621" y="4626274"/>
+            <a:off x="7889621" y="3764500"/>
             <a:ext cx="1511552" cy="461665"/>
           </a:xfrm>
           <a:prstGeom prst="rect">
@@ -3517,8 +3505,8 @@
         </p:nvSpPr>
         <p:spPr>
           <a:xfrm>
-            <a:off x="7889623" y="2594948"/>
-            <a:ext cx="1652962" cy="2031326"/>
+            <a:off x="7889623" y="2594947"/>
+            <a:ext cx="1652962" cy="1169553"/>
           </a:xfrm>
           <a:prstGeom prst="rect">
             <a:avLst/>
@@ -3564,7 +3552,7 @@
         <p:spPr>
           <a:xfrm>
             <a:off x="7889623" y="2594948"/>
-            <a:ext cx="1511552" cy="1569660"/>
+            <a:ext cx="1511552" cy="1200329"/>
           </a:xfrm>
           <a:prstGeom prst="rect">
             <a:avLst/>
@@ -3577,58 +3565,32 @@
           </a:bodyPr>
           <a:lstStyle/>
           <a:p>
-            <a:r>
-              <a:rPr lang="de-AT" sz="1200" dirty="0" err="1" smtClean="0"/>
-              <a:t>Ciphering</a:t>
-            </a:r>
+            <a:endParaRPr lang="de-AT" sz="1200" dirty="0" smtClean="0"/>
+          </a:p>
+          <a:p>
+            <a:endParaRPr lang="de-AT" sz="1200" dirty="0" smtClean="0"/>
+          </a:p>
+          <a:p>
             <a:r>
               <a:rPr lang="de-AT" sz="1200" dirty="0" smtClean="0"/>
-              <a:t> Service</a:t>
+              <a:t>Data</a:t>
             </a:r>
           </a:p>
           <a:p>
             <a:r>
               <a:rPr lang="de-AT" sz="1200" dirty="0" smtClean="0"/>
-              <a:t>Tag</a:t>
-            </a:r>
-          </a:p>
-          <a:p>
-            <a:r>
-              <a:rPr lang="de-AT" sz="1200" dirty="0" smtClean="0"/>
-              <a:t>System Title</a:t>
-            </a:r>
-          </a:p>
-          <a:p>
-            <a:r>
-              <a:rPr lang="de-AT" sz="1200" dirty="0" err="1" smtClean="0"/>
-              <a:t>Length</a:t>
-            </a:r>
-            <a:endParaRPr lang="de-AT" sz="1200" dirty="0" smtClean="0"/>
-          </a:p>
-          <a:p>
-            <a:r>
-              <a:rPr lang="de-AT" sz="1200" dirty="0" smtClean="0"/>
-              <a:t>Security Control Byte</a:t>
-            </a:r>
-          </a:p>
-          <a:p>
-            <a:r>
-              <a:rPr lang="de-AT" sz="1200" dirty="0" smtClean="0"/>
-              <a:t>Frame Counter</a:t>
-            </a:r>
-          </a:p>
-          <a:p>
-            <a:endParaRPr lang="de-AT" sz="1200" dirty="0"/>
-          </a:p>
-          <a:p>
+              <a:t>(</a:t>
+            </a:r>
             <a:r>
               <a:rPr lang="de-AT" sz="1200" dirty="0" err="1" smtClean="0"/>
               <a:t>Encrypted</a:t>
             </a:r>
             <a:r>
               <a:rPr lang="de-AT" sz="1200" dirty="0" smtClean="0"/>
-              <a:t> Payload</a:t>
-            </a:r>
+              <a:t> DLMS Payload)</a:t>
+            </a:r>
+          </a:p>
+          <a:p>
             <a:endParaRPr lang="de-AT" sz="1200" dirty="0"/>
           </a:p>
         </p:txBody>
